--- a/FinalAssigment-Ministry of social development project/5-Mockup/(step5)mockup.pptx
+++ b/FinalAssigment-Ministry of social development project/5-Mockup/(step5)mockup.pptx
@@ -7,8 +7,8 @@
   <p:sldIdLst>
     <p:sldId id="256" r:id="rId2"/>
     <p:sldId id="262" r:id="rId3"/>
-    <p:sldId id="257" r:id="rId4"/>
-    <p:sldId id="263" r:id="rId5"/>
+    <p:sldId id="293" r:id="rId4"/>
+    <p:sldId id="257" r:id="rId5"/>
     <p:sldId id="261" r:id="rId6"/>
     <p:sldId id="258" r:id="rId7"/>
     <p:sldId id="266" r:id="rId8"/>
@@ -318,7 +318,7 @@
             <a:fld id="{EC40D01B-78BC-4620-A495-C36B299B4EDA}" type="datetimeFigureOut">
               <a:rPr lang="ar-JO" smtClean="0"/>
               <a:pPr/>
-              <a:t>05/01/1442</a:t>
+              <a:t>01/03/1442</a:t>
             </a:fld>
             <a:endParaRPr lang="ar-JO"/>
           </a:p>
@@ -485,7 +485,7 @@
             <a:fld id="{EC40D01B-78BC-4620-A495-C36B299B4EDA}" type="datetimeFigureOut">
               <a:rPr lang="ar-JO" smtClean="0"/>
               <a:pPr/>
-              <a:t>05/01/1442</a:t>
+              <a:t>01/03/1442</a:t>
             </a:fld>
             <a:endParaRPr lang="ar-JO"/>
           </a:p>
@@ -662,7 +662,7 @@
             <a:fld id="{EC40D01B-78BC-4620-A495-C36B299B4EDA}" type="datetimeFigureOut">
               <a:rPr lang="ar-JO" smtClean="0"/>
               <a:pPr/>
-              <a:t>05/01/1442</a:t>
+              <a:t>01/03/1442</a:t>
             </a:fld>
             <a:endParaRPr lang="ar-JO"/>
           </a:p>
@@ -829,7 +829,7 @@
             <a:fld id="{EC40D01B-78BC-4620-A495-C36B299B4EDA}" type="datetimeFigureOut">
               <a:rPr lang="ar-JO" smtClean="0"/>
               <a:pPr/>
-              <a:t>05/01/1442</a:t>
+              <a:t>01/03/1442</a:t>
             </a:fld>
             <a:endParaRPr lang="ar-JO"/>
           </a:p>
@@ -1072,7 +1072,7 @@
             <a:fld id="{EC40D01B-78BC-4620-A495-C36B299B4EDA}" type="datetimeFigureOut">
               <a:rPr lang="ar-JO" smtClean="0"/>
               <a:pPr/>
-              <a:t>05/01/1442</a:t>
+              <a:t>01/03/1442</a:t>
             </a:fld>
             <a:endParaRPr lang="ar-JO"/>
           </a:p>
@@ -1357,7 +1357,7 @@
             <a:fld id="{EC40D01B-78BC-4620-A495-C36B299B4EDA}" type="datetimeFigureOut">
               <a:rPr lang="ar-JO" smtClean="0"/>
               <a:pPr/>
-              <a:t>05/01/1442</a:t>
+              <a:t>01/03/1442</a:t>
             </a:fld>
             <a:endParaRPr lang="ar-JO"/>
           </a:p>
@@ -1776,7 +1776,7 @@
             <a:fld id="{EC40D01B-78BC-4620-A495-C36B299B4EDA}" type="datetimeFigureOut">
               <a:rPr lang="ar-JO" smtClean="0"/>
               <a:pPr/>
-              <a:t>05/01/1442</a:t>
+              <a:t>01/03/1442</a:t>
             </a:fld>
             <a:endParaRPr lang="ar-JO"/>
           </a:p>
@@ -1891,7 +1891,7 @@
             <a:fld id="{EC40D01B-78BC-4620-A495-C36B299B4EDA}" type="datetimeFigureOut">
               <a:rPr lang="ar-JO" smtClean="0"/>
               <a:pPr/>
-              <a:t>05/01/1442</a:t>
+              <a:t>01/03/1442</a:t>
             </a:fld>
             <a:endParaRPr lang="ar-JO"/>
           </a:p>
@@ -1983,7 +1983,7 @@
             <a:fld id="{EC40D01B-78BC-4620-A495-C36B299B4EDA}" type="datetimeFigureOut">
               <a:rPr lang="ar-JO" smtClean="0"/>
               <a:pPr/>
-              <a:t>05/01/1442</a:t>
+              <a:t>01/03/1442</a:t>
             </a:fld>
             <a:endParaRPr lang="ar-JO"/>
           </a:p>
@@ -2257,7 +2257,7 @@
             <a:fld id="{EC40D01B-78BC-4620-A495-C36B299B4EDA}" type="datetimeFigureOut">
               <a:rPr lang="ar-JO" smtClean="0"/>
               <a:pPr/>
-              <a:t>05/01/1442</a:t>
+              <a:t>01/03/1442</a:t>
             </a:fld>
             <a:endParaRPr lang="ar-JO"/>
           </a:p>
@@ -2507,7 +2507,7 @@
             <a:fld id="{EC40D01B-78BC-4620-A495-C36B299B4EDA}" type="datetimeFigureOut">
               <a:rPr lang="ar-JO" smtClean="0"/>
               <a:pPr/>
-              <a:t>05/01/1442</a:t>
+              <a:t>01/03/1442</a:t>
             </a:fld>
             <a:endParaRPr lang="ar-JO"/>
           </a:p>
@@ -2717,7 +2717,7 @@
             <a:fld id="{EC40D01B-78BC-4620-A495-C36B299B4EDA}" type="datetimeFigureOut">
               <a:rPr lang="ar-JO" smtClean="0"/>
               <a:pPr/>
-              <a:t>05/01/1442</a:t>
+              <a:t>01/03/1442</a:t>
             </a:fld>
             <a:endParaRPr lang="ar-JO"/>
           </a:p>
@@ -36248,919 +36248,16 @@
           <a:chExt cx="0" cy="0"/>
         </a:xfrm>
       </p:grpSpPr>
-      <p:cxnSp>
-        <p:nvCxnSpPr>
-          <p:cNvPr id="9" name="Straight Connector 8"/>
-          <p:cNvCxnSpPr>
-            <a:stCxn id="14" idx="2"/>
-            <a:endCxn id="10" idx="6"/>
-          </p:cNvCxnSpPr>
-          <p:nvPr/>
-        </p:nvCxnSpPr>
-        <p:spPr>
-          <a:xfrm rot="10800000" flipH="1">
-            <a:off x="1195542" y="1634981"/>
-            <a:ext cx="6477943" cy="1588"/>
-          </a:xfrm>
-          <a:prstGeom prst="line">
-            <a:avLst/>
-          </a:prstGeom>
-        </p:spPr>
-        <p:style>
-          <a:lnRef idx="3">
-            <a:schemeClr val="accent2"/>
-          </a:lnRef>
-          <a:fillRef idx="0">
-            <a:schemeClr val="accent2"/>
-          </a:fillRef>
-          <a:effectRef idx="2">
-            <a:schemeClr val="accent2"/>
-          </a:effectRef>
-          <a:fontRef idx="minor">
-            <a:schemeClr val="tx1"/>
-          </a:fontRef>
-        </p:style>
-      </p:cxnSp>
-      <p:sp>
-        <p:nvSpPr>
-          <p:cNvPr id="10" name="Oval 9"/>
-          <p:cNvSpPr/>
-          <p:nvPr/>
-        </p:nvSpPr>
-        <p:spPr>
-          <a:xfrm>
-            <a:off x="7482087" y="1522282"/>
-            <a:ext cx="191399" cy="225397"/>
-          </a:xfrm>
-          <a:prstGeom prst="ellipse">
-            <a:avLst/>
-          </a:prstGeom>
-          <a:ln>
-            <a:solidFill>
-              <a:schemeClr val="tx1">
-                <a:lumMod val="75000"/>
-                <a:lumOff val="25000"/>
-              </a:schemeClr>
-            </a:solidFill>
-          </a:ln>
-        </p:spPr>
-        <p:style>
-          <a:lnRef idx="2">
-            <a:schemeClr val="dk1"/>
-          </a:lnRef>
-          <a:fillRef idx="1">
-            <a:schemeClr val="lt1"/>
-          </a:fillRef>
-          <a:effectRef idx="0">
-            <a:schemeClr val="dk1"/>
-          </a:effectRef>
-          <a:fontRef idx="minor">
-            <a:schemeClr val="dk1"/>
-          </a:fontRef>
-        </p:style>
-        <p:txBody>
-          <a:bodyPr rtlCol="1" anchor="ctr"/>
-          <a:lstStyle/>
-          <a:p>
-            <a:pPr algn="ctr"/>
-            <a:endParaRPr lang="ar-JO" sz="1600">
-              <a:latin typeface="Tajawal Black" pitchFamily="2" charset="-78"/>
-              <a:cs typeface="Tajawal Black" pitchFamily="2" charset="-78"/>
-            </a:endParaRPr>
-          </a:p>
-        </p:txBody>
-      </p:sp>
-      <p:sp>
-        <p:nvSpPr>
-          <p:cNvPr id="11" name="Oval 10"/>
-          <p:cNvSpPr/>
-          <p:nvPr/>
-        </p:nvSpPr>
-        <p:spPr>
-          <a:xfrm>
-            <a:off x="4481691" y="1522282"/>
-            <a:ext cx="191399" cy="225397"/>
-          </a:xfrm>
-          <a:prstGeom prst="ellipse">
-            <a:avLst/>
-          </a:prstGeom>
-          <a:ln>
-            <a:solidFill>
-              <a:schemeClr val="tx1">
-                <a:lumMod val="75000"/>
-                <a:lumOff val="25000"/>
-              </a:schemeClr>
-            </a:solidFill>
-          </a:ln>
-        </p:spPr>
-        <p:style>
-          <a:lnRef idx="2">
-            <a:schemeClr val="dk1"/>
-          </a:lnRef>
-          <a:fillRef idx="1">
-            <a:schemeClr val="lt1"/>
-          </a:fillRef>
-          <a:effectRef idx="0">
-            <a:schemeClr val="dk1"/>
-          </a:effectRef>
-          <a:fontRef idx="minor">
-            <a:schemeClr val="dk1"/>
-          </a:fontRef>
-        </p:style>
-        <p:txBody>
-          <a:bodyPr rtlCol="1" anchor="ctr"/>
-          <a:lstStyle/>
-          <a:p>
-            <a:pPr algn="ctr"/>
-            <a:endParaRPr lang="ar-JO" sz="1600">
-              <a:latin typeface="Tajawal Black" pitchFamily="2" charset="-78"/>
-              <a:cs typeface="Tajawal Black" pitchFamily="2" charset="-78"/>
-            </a:endParaRPr>
-          </a:p>
-        </p:txBody>
-      </p:sp>
-      <p:sp>
-        <p:nvSpPr>
-          <p:cNvPr id="12" name="Oval 11"/>
-          <p:cNvSpPr/>
-          <p:nvPr/>
-        </p:nvSpPr>
-        <p:spPr>
-          <a:xfrm>
-            <a:off x="5910451" y="1522282"/>
-            <a:ext cx="191399" cy="225397"/>
-          </a:xfrm>
-          <a:prstGeom prst="ellipse">
-            <a:avLst/>
-          </a:prstGeom>
-          <a:solidFill>
-            <a:schemeClr val="bg1"/>
-          </a:solidFill>
-          <a:ln>
-            <a:solidFill>
-              <a:schemeClr val="tx1">
-                <a:lumMod val="75000"/>
-                <a:lumOff val="25000"/>
-              </a:schemeClr>
-            </a:solidFill>
-          </a:ln>
-        </p:spPr>
-        <p:style>
-          <a:lnRef idx="2">
-            <a:schemeClr val="dk1"/>
-          </a:lnRef>
-          <a:fillRef idx="1">
-            <a:schemeClr val="lt1"/>
-          </a:fillRef>
-          <a:effectRef idx="0">
-            <a:schemeClr val="dk1"/>
-          </a:effectRef>
-          <a:fontRef idx="minor">
-            <a:schemeClr val="dk1"/>
-          </a:fontRef>
-        </p:style>
-        <p:txBody>
-          <a:bodyPr rtlCol="1" anchor="ctr"/>
-          <a:lstStyle/>
-          <a:p>
-            <a:pPr algn="ctr"/>
-            <a:endParaRPr lang="ar-JO" sz="1600">
-              <a:latin typeface="Tajawal Black" pitchFamily="2" charset="-78"/>
-              <a:cs typeface="Tajawal Black" pitchFamily="2" charset="-78"/>
-            </a:endParaRPr>
-          </a:p>
-        </p:txBody>
-      </p:sp>
-      <p:sp>
-        <p:nvSpPr>
-          <p:cNvPr id="13" name="Oval 12"/>
-          <p:cNvSpPr/>
-          <p:nvPr/>
-        </p:nvSpPr>
-        <p:spPr>
-          <a:xfrm>
-            <a:off x="2695741" y="1522282"/>
-            <a:ext cx="191399" cy="225397"/>
-          </a:xfrm>
-          <a:prstGeom prst="ellipse">
-            <a:avLst/>
-          </a:prstGeom>
-          <a:ln>
-            <a:solidFill>
-              <a:schemeClr val="tx1">
-                <a:lumMod val="75000"/>
-                <a:lumOff val="25000"/>
-              </a:schemeClr>
-            </a:solidFill>
-          </a:ln>
-        </p:spPr>
-        <p:style>
-          <a:lnRef idx="2">
-            <a:schemeClr val="dk1"/>
-          </a:lnRef>
-          <a:fillRef idx="1">
-            <a:schemeClr val="lt1"/>
-          </a:fillRef>
-          <a:effectRef idx="0">
-            <a:schemeClr val="dk1"/>
-          </a:effectRef>
-          <a:fontRef idx="minor">
-            <a:schemeClr val="dk1"/>
-          </a:fontRef>
-        </p:style>
-        <p:txBody>
-          <a:bodyPr rtlCol="1" anchor="ctr"/>
-          <a:lstStyle/>
-          <a:p>
-            <a:pPr algn="ctr"/>
-            <a:endParaRPr lang="ar-JO" sz="1600">
-              <a:latin typeface="Tajawal Black" pitchFamily="2" charset="-78"/>
-              <a:cs typeface="Tajawal Black" pitchFamily="2" charset="-78"/>
-            </a:endParaRPr>
-          </a:p>
-        </p:txBody>
-      </p:sp>
-      <p:sp>
-        <p:nvSpPr>
-          <p:cNvPr id="14" name="Oval 13"/>
-          <p:cNvSpPr/>
-          <p:nvPr/>
-        </p:nvSpPr>
-        <p:spPr>
-          <a:xfrm>
-            <a:off x="1195543" y="1522282"/>
-            <a:ext cx="191399" cy="225397"/>
-          </a:xfrm>
-          <a:prstGeom prst="ellipse">
-            <a:avLst/>
-          </a:prstGeom>
-          <a:solidFill>
-            <a:srgbClr val="D60000"/>
-          </a:solidFill>
-          <a:ln>
-            <a:solidFill>
-              <a:schemeClr val="tx1">
-                <a:lumMod val="75000"/>
-                <a:lumOff val="25000"/>
-              </a:schemeClr>
-            </a:solidFill>
-          </a:ln>
-        </p:spPr>
-        <p:style>
-          <a:lnRef idx="2">
-            <a:schemeClr val="dk1"/>
-          </a:lnRef>
-          <a:fillRef idx="1">
-            <a:schemeClr val="lt1"/>
-          </a:fillRef>
-          <a:effectRef idx="0">
-            <a:schemeClr val="dk1"/>
-          </a:effectRef>
-          <a:fontRef idx="minor">
-            <a:schemeClr val="dk1"/>
-          </a:fontRef>
-        </p:style>
-        <p:txBody>
-          <a:bodyPr rtlCol="1" anchor="ctr"/>
-          <a:lstStyle/>
-          <a:p>
-            <a:pPr algn="ctr"/>
-            <a:endParaRPr lang="ar-JO" sz="1600">
-              <a:latin typeface="Tajawal Black" pitchFamily="2" charset="-78"/>
-              <a:cs typeface="Tajawal Black" pitchFamily="2" charset="-78"/>
-            </a:endParaRPr>
-          </a:p>
-        </p:txBody>
-      </p:sp>
-      <p:sp>
-        <p:nvSpPr>
-          <p:cNvPr id="15" name="TextBox 14"/>
-          <p:cNvSpPr txBox="1"/>
-          <p:nvPr/>
-        </p:nvSpPr>
-        <p:spPr>
-          <a:xfrm>
-            <a:off x="2214546" y="285728"/>
-            <a:ext cx="5072098" cy="954107"/>
-          </a:xfrm>
-          <a:prstGeom prst="rect">
-            <a:avLst/>
-          </a:prstGeom>
-          <a:noFill/>
-        </p:spPr>
-        <p:txBody>
-          <a:bodyPr wrap="square" rtlCol="1">
-            <a:spAutoFit/>
-          </a:bodyPr>
-          <a:lstStyle/>
-          <a:p>
-            <a:pPr algn="ctr"/>
-            <a:r>
-              <a:rPr lang="ar-JO" sz="2400" b="1" dirty="0" smtClean="0">
-                <a:solidFill>
-                  <a:schemeClr val="tx1">
-                    <a:lumMod val="75000"/>
-                    <a:lumOff val="25000"/>
-                  </a:schemeClr>
-                </a:solidFill>
-                <a:latin typeface="Tajawal Black" pitchFamily="2" charset="-78"/>
-                <a:cs typeface="Tajawal Black" pitchFamily="2" charset="-78"/>
-              </a:rPr>
-              <a:t>مبادراتنا</a:t>
-            </a:r>
-          </a:p>
-          <a:p>
-            <a:pPr algn="ctr"/>
-            <a:r>
-              <a:rPr lang="ar-JO" sz="1600" dirty="0" smtClean="0">
-                <a:solidFill>
-                  <a:schemeClr val="tx1">
-                    <a:lumMod val="75000"/>
-                    <a:lumOff val="25000"/>
-                  </a:schemeClr>
-                </a:solidFill>
-                <a:latin typeface="Tajawal Black" pitchFamily="2" charset="-78"/>
-                <a:cs typeface="Tajawal Black" pitchFamily="2" charset="-78"/>
-              </a:rPr>
-              <a:t>اختر العام للمبادرات التي ترغب في عرضها</a:t>
-            </a:r>
-            <a:br>
-              <a:rPr lang="ar-JO" sz="1600" dirty="0" smtClean="0">
-                <a:solidFill>
-                  <a:schemeClr val="tx1">
-                    <a:lumMod val="75000"/>
-                    <a:lumOff val="25000"/>
-                  </a:schemeClr>
-                </a:solidFill>
-                <a:latin typeface="Tajawal Black" pitchFamily="2" charset="-78"/>
-                <a:cs typeface="Tajawal Black" pitchFamily="2" charset="-78"/>
-              </a:rPr>
-            </a:br>
-            <a:endParaRPr lang="ar-JO" sz="1600" dirty="0">
-              <a:solidFill>
-                <a:schemeClr val="tx1">
-                  <a:lumMod val="75000"/>
-                  <a:lumOff val="25000"/>
-                </a:schemeClr>
-              </a:solidFill>
-              <a:latin typeface="Tajawal Black" pitchFamily="2" charset="-78"/>
-              <a:cs typeface="Tajawal Black" pitchFamily="2" charset="-78"/>
-            </a:endParaRPr>
-          </a:p>
-        </p:txBody>
-      </p:sp>
-      <p:sp>
-        <p:nvSpPr>
-          <p:cNvPr id="16" name="TextBox 15"/>
-          <p:cNvSpPr txBox="1"/>
-          <p:nvPr/>
-        </p:nvSpPr>
-        <p:spPr>
-          <a:xfrm>
-            <a:off x="7292195" y="1200154"/>
-            <a:ext cx="668280" cy="338554"/>
-          </a:xfrm>
-          <a:prstGeom prst="rect">
-            <a:avLst/>
-          </a:prstGeom>
-          <a:noFill/>
-          <a:ln>
-            <a:noFill/>
-          </a:ln>
-        </p:spPr>
-        <p:style>
-          <a:lnRef idx="2">
-            <a:schemeClr val="dk1"/>
-          </a:lnRef>
-          <a:fillRef idx="1">
-            <a:schemeClr val="lt1"/>
-          </a:fillRef>
-          <a:effectRef idx="0">
-            <a:schemeClr val="dk1"/>
-          </a:effectRef>
-          <a:fontRef idx="minor">
-            <a:schemeClr val="dk1"/>
-          </a:fontRef>
-        </p:style>
-        <p:txBody>
-          <a:bodyPr wrap="square" rtlCol="1">
-            <a:spAutoFit/>
-          </a:bodyPr>
-          <a:lstStyle/>
-          <a:p>
-            <a:r>
-              <a:rPr lang="en-US" sz="1600" b="1" dirty="0" smtClean="0">
-                <a:solidFill>
-                  <a:schemeClr val="tx1">
-                    <a:lumMod val="75000"/>
-                    <a:lumOff val="25000"/>
-                  </a:schemeClr>
-                </a:solidFill>
-                <a:latin typeface="Tajawal Black" pitchFamily="2" charset="-78"/>
-                <a:cs typeface="Tajawal Black" pitchFamily="2" charset="-78"/>
-              </a:rPr>
-              <a:t>2020</a:t>
-            </a:r>
-            <a:endParaRPr lang="ar-JO" sz="1600" b="1" dirty="0">
-              <a:solidFill>
-                <a:schemeClr val="tx1">
-                  <a:lumMod val="75000"/>
-                  <a:lumOff val="25000"/>
-                </a:schemeClr>
-              </a:solidFill>
-              <a:latin typeface="Tajawal Black" pitchFamily="2" charset="-78"/>
-              <a:cs typeface="Tajawal Black" pitchFamily="2" charset="-78"/>
-            </a:endParaRPr>
-          </a:p>
-        </p:txBody>
-      </p:sp>
-      <p:sp>
-        <p:nvSpPr>
-          <p:cNvPr id="20" name="TextBox 19"/>
-          <p:cNvSpPr txBox="1"/>
-          <p:nvPr/>
-        </p:nvSpPr>
-        <p:spPr>
-          <a:xfrm>
-            <a:off x="5720562" y="1128716"/>
-            <a:ext cx="668280" cy="338554"/>
-          </a:xfrm>
-          <a:prstGeom prst="rect">
-            <a:avLst/>
-          </a:prstGeom>
-          <a:noFill/>
-          <a:ln>
-            <a:noFill/>
-          </a:ln>
-        </p:spPr>
-        <p:style>
-          <a:lnRef idx="2">
-            <a:schemeClr val="dk1"/>
-          </a:lnRef>
-          <a:fillRef idx="1">
-            <a:schemeClr val="lt1"/>
-          </a:fillRef>
-          <a:effectRef idx="0">
-            <a:schemeClr val="dk1"/>
-          </a:effectRef>
-          <a:fontRef idx="minor">
-            <a:schemeClr val="dk1"/>
-          </a:fontRef>
-        </p:style>
-        <p:txBody>
-          <a:bodyPr wrap="square" rtlCol="1">
-            <a:spAutoFit/>
-          </a:bodyPr>
-          <a:lstStyle/>
-          <a:p>
-            <a:r>
-              <a:rPr lang="en-US" sz="1600" b="1" dirty="0" smtClean="0">
-                <a:solidFill>
-                  <a:schemeClr val="tx1">
-                    <a:lumMod val="75000"/>
-                    <a:lumOff val="25000"/>
-                  </a:schemeClr>
-                </a:solidFill>
-                <a:latin typeface="Tajawal Black" pitchFamily="2" charset="-78"/>
-                <a:cs typeface="Tajawal Black" pitchFamily="2" charset="-78"/>
-              </a:rPr>
-              <a:t>2019</a:t>
-            </a:r>
-            <a:endParaRPr lang="ar-JO" sz="1600" b="1" dirty="0">
-              <a:solidFill>
-                <a:schemeClr val="tx1">
-                  <a:lumMod val="75000"/>
-                  <a:lumOff val="25000"/>
-                </a:schemeClr>
-              </a:solidFill>
-              <a:latin typeface="Tajawal Black" pitchFamily="2" charset="-78"/>
-              <a:cs typeface="Tajawal Black" pitchFamily="2" charset="-78"/>
-            </a:endParaRPr>
-          </a:p>
-        </p:txBody>
-      </p:sp>
-      <p:sp>
-        <p:nvSpPr>
-          <p:cNvPr id="21" name="TextBox 20"/>
-          <p:cNvSpPr txBox="1"/>
-          <p:nvPr/>
-        </p:nvSpPr>
-        <p:spPr>
-          <a:xfrm>
-            <a:off x="4220365" y="1128716"/>
-            <a:ext cx="668280" cy="338554"/>
-          </a:xfrm>
-          <a:prstGeom prst="rect">
-            <a:avLst/>
-          </a:prstGeom>
-          <a:noFill/>
-          <a:ln>
-            <a:noFill/>
-          </a:ln>
-        </p:spPr>
-        <p:style>
-          <a:lnRef idx="2">
-            <a:schemeClr val="dk1"/>
-          </a:lnRef>
-          <a:fillRef idx="1">
-            <a:schemeClr val="lt1"/>
-          </a:fillRef>
-          <a:effectRef idx="0">
-            <a:schemeClr val="dk1"/>
-          </a:effectRef>
-          <a:fontRef idx="minor">
-            <a:schemeClr val="dk1"/>
-          </a:fontRef>
-        </p:style>
-        <p:txBody>
-          <a:bodyPr wrap="square" rtlCol="1">
-            <a:spAutoFit/>
-          </a:bodyPr>
-          <a:lstStyle/>
-          <a:p>
-            <a:r>
-              <a:rPr lang="en-US" sz="1600" b="1" dirty="0" smtClean="0">
-                <a:solidFill>
-                  <a:schemeClr val="tx1">
-                    <a:lumMod val="75000"/>
-                    <a:lumOff val="25000"/>
-                  </a:schemeClr>
-                </a:solidFill>
-                <a:latin typeface="Tajawal Black" pitchFamily="2" charset="-78"/>
-                <a:cs typeface="Tajawal Black" pitchFamily="2" charset="-78"/>
-              </a:rPr>
-              <a:t>2018</a:t>
-            </a:r>
-          </a:p>
-        </p:txBody>
-      </p:sp>
-      <p:sp>
-        <p:nvSpPr>
-          <p:cNvPr id="22" name="TextBox 21"/>
-          <p:cNvSpPr txBox="1"/>
-          <p:nvPr/>
-        </p:nvSpPr>
-        <p:spPr>
-          <a:xfrm>
-            <a:off x="2505852" y="1128716"/>
-            <a:ext cx="668280" cy="338554"/>
-          </a:xfrm>
-          <a:prstGeom prst="rect">
-            <a:avLst/>
-          </a:prstGeom>
-          <a:noFill/>
-          <a:ln>
-            <a:noFill/>
-          </a:ln>
-        </p:spPr>
-        <p:style>
-          <a:lnRef idx="2">
-            <a:schemeClr val="dk1"/>
-          </a:lnRef>
-          <a:fillRef idx="1">
-            <a:schemeClr val="lt1"/>
-          </a:fillRef>
-          <a:effectRef idx="0">
-            <a:schemeClr val="dk1"/>
-          </a:effectRef>
-          <a:fontRef idx="minor">
-            <a:schemeClr val="dk1"/>
-          </a:fontRef>
-        </p:style>
-        <p:txBody>
-          <a:bodyPr wrap="square" rtlCol="1">
-            <a:spAutoFit/>
-          </a:bodyPr>
-          <a:lstStyle/>
-          <a:p>
-            <a:r>
-              <a:rPr lang="en-US" sz="1600" b="1" dirty="0" smtClean="0">
-                <a:solidFill>
-                  <a:schemeClr val="tx1">
-                    <a:lumMod val="75000"/>
-                    <a:lumOff val="25000"/>
-                  </a:schemeClr>
-                </a:solidFill>
-                <a:latin typeface="Tajawal Black" pitchFamily="2" charset="-78"/>
-                <a:cs typeface="Tajawal Black" pitchFamily="2" charset="-78"/>
-              </a:rPr>
-              <a:t>2017</a:t>
-            </a:r>
-            <a:endParaRPr lang="ar-JO" sz="1600" b="1" dirty="0">
-              <a:solidFill>
-                <a:schemeClr val="tx1">
-                  <a:lumMod val="75000"/>
-                  <a:lumOff val="25000"/>
-                </a:schemeClr>
-              </a:solidFill>
-              <a:latin typeface="Tajawal Black" pitchFamily="2" charset="-78"/>
-              <a:cs typeface="Tajawal Black" pitchFamily="2" charset="-78"/>
-            </a:endParaRPr>
-          </a:p>
-        </p:txBody>
-      </p:sp>
-      <p:sp>
-        <p:nvSpPr>
-          <p:cNvPr id="23" name="TextBox 22"/>
-          <p:cNvSpPr txBox="1"/>
-          <p:nvPr/>
-        </p:nvSpPr>
-        <p:spPr>
-          <a:xfrm>
-            <a:off x="1005655" y="1128716"/>
-            <a:ext cx="668280" cy="338554"/>
-          </a:xfrm>
-          <a:prstGeom prst="rect">
-            <a:avLst/>
-          </a:prstGeom>
-          <a:noFill/>
-          <a:ln>
-            <a:noFill/>
-          </a:ln>
-        </p:spPr>
-        <p:style>
-          <a:lnRef idx="2">
-            <a:schemeClr val="dk1"/>
-          </a:lnRef>
-          <a:fillRef idx="1">
-            <a:schemeClr val="lt1"/>
-          </a:fillRef>
-          <a:effectRef idx="0">
-            <a:schemeClr val="dk1"/>
-          </a:effectRef>
-          <a:fontRef idx="minor">
-            <a:schemeClr val="dk1"/>
-          </a:fontRef>
-        </p:style>
-        <p:txBody>
-          <a:bodyPr wrap="square" rtlCol="1">
-            <a:spAutoFit/>
-          </a:bodyPr>
-          <a:lstStyle/>
-          <a:p>
-            <a:r>
-              <a:rPr lang="en-US" sz="1600" b="1" dirty="0" smtClean="0">
-                <a:solidFill>
-                  <a:schemeClr val="tx1">
-                    <a:lumMod val="75000"/>
-                    <a:lumOff val="25000"/>
-                  </a:schemeClr>
-                </a:solidFill>
-                <a:latin typeface="Tajawal Black" pitchFamily="2" charset="-78"/>
-                <a:cs typeface="Tajawal Black" pitchFamily="2" charset="-78"/>
-              </a:rPr>
-              <a:t>2016</a:t>
-            </a:r>
-          </a:p>
-        </p:txBody>
-      </p:sp>
-      <p:pic>
-        <p:nvPicPr>
-          <p:cNvPr id="26" name="Picture 25" descr="download.jpeg"/>
-          <p:cNvPicPr>
-            <a:picLocks noChangeAspect="1"/>
+      <p:pic>
+        <p:nvPicPr>
+          <p:cNvPr id="2050" name="Picture 2"/>
+          <p:cNvPicPr>
+            <a:picLocks noChangeAspect="1" noChangeArrowheads="1"/>
           </p:cNvPicPr>
           <p:nvPr/>
         </p:nvPicPr>
         <p:blipFill>
           <a:blip r:embed="rId2"/>
-          <a:stretch>
-            <a:fillRect/>
-          </a:stretch>
-        </p:blipFill>
-        <p:spPr>
-          <a:xfrm>
-            <a:off x="6000760" y="1928802"/>
-            <a:ext cx="2286012" cy="2643206"/>
-          </a:xfrm>
-          <a:prstGeom prst="rect">
-            <a:avLst/>
-          </a:prstGeom>
-        </p:spPr>
-      </p:pic>
-      <p:sp>
-        <p:nvSpPr>
-          <p:cNvPr id="27" name="TextBox 26"/>
-          <p:cNvSpPr txBox="1"/>
-          <p:nvPr/>
-        </p:nvSpPr>
-        <p:spPr>
-          <a:xfrm>
-            <a:off x="6286512" y="4786322"/>
-            <a:ext cx="2148345" cy="307777"/>
-          </a:xfrm>
-          <a:prstGeom prst="rect">
-            <a:avLst/>
-          </a:prstGeom>
-          <a:noFill/>
-          <a:ln>
-            <a:noFill/>
-          </a:ln>
-        </p:spPr>
-        <p:txBody>
-          <a:bodyPr wrap="none" rtlCol="1">
-            <a:spAutoFit/>
-          </a:bodyPr>
-          <a:lstStyle/>
-          <a:p>
-            <a:pPr algn="ctr"/>
-            <a:r>
-              <a:rPr lang="ar-SA" sz="1400" b="1" dirty="0" smtClean="0">
-                <a:solidFill>
-                  <a:schemeClr val="tx1">
-                    <a:lumMod val="85000"/>
-                    <a:lumOff val="15000"/>
-                  </a:schemeClr>
-                </a:solidFill>
-                <a:latin typeface="Tajawal" pitchFamily="2" charset="-78"/>
-                <a:cs typeface="Tajawal" pitchFamily="2" charset="-78"/>
-              </a:rPr>
-              <a:t>مبادرة صندوق زين للإغاثة</a:t>
-            </a:r>
-            <a:endParaRPr lang="ar-JO" sz="1400" b="1" dirty="0" smtClean="0">
-              <a:solidFill>
-                <a:schemeClr val="tx1">
-                  <a:lumMod val="85000"/>
-                  <a:lumOff val="15000"/>
-                </a:schemeClr>
-              </a:solidFill>
-              <a:latin typeface="Tajawal" pitchFamily="2" charset="-78"/>
-              <a:cs typeface="Tajawal" pitchFamily="2" charset="-78"/>
-            </a:endParaRPr>
-          </a:p>
-        </p:txBody>
-      </p:sp>
-      <p:pic>
-        <p:nvPicPr>
-          <p:cNvPr id="31" name="Picture 30" descr="Petra_University_logo.png"/>
-          <p:cNvPicPr>
-            <a:picLocks noChangeAspect="1"/>
-          </p:cNvPicPr>
-          <p:nvPr/>
-        </p:nvPicPr>
-        <p:blipFill>
-          <a:blip r:embed="rId3"/>
-          <a:stretch>
-            <a:fillRect/>
-          </a:stretch>
-        </p:blipFill>
-        <p:spPr>
-          <a:xfrm>
-            <a:off x="3357554" y="2000240"/>
-            <a:ext cx="2428892" cy="2428892"/>
-          </a:xfrm>
-          <a:prstGeom prst="rect">
-            <a:avLst/>
-          </a:prstGeom>
-        </p:spPr>
-      </p:pic>
-      <p:sp>
-        <p:nvSpPr>
-          <p:cNvPr id="32" name="TextBox 31"/>
-          <p:cNvSpPr txBox="1"/>
-          <p:nvPr/>
-        </p:nvSpPr>
-        <p:spPr>
-          <a:xfrm>
-            <a:off x="3143240" y="4714884"/>
-            <a:ext cx="3046026" cy="523220"/>
-          </a:xfrm>
-          <a:prstGeom prst="rect">
-            <a:avLst/>
-          </a:prstGeom>
-          <a:noFill/>
-          <a:ln>
-            <a:noFill/>
-          </a:ln>
-        </p:spPr>
-        <p:txBody>
-          <a:bodyPr wrap="none" rtlCol="1">
-            <a:spAutoFit/>
-          </a:bodyPr>
-          <a:lstStyle/>
-          <a:p>
-            <a:pPr algn="ctr"/>
-            <a:r>
-              <a:rPr lang="ar-SA" sz="1400" b="1" dirty="0" smtClean="0">
-                <a:solidFill>
-                  <a:schemeClr val="tx1">
-                    <a:lumMod val="85000"/>
-                    <a:lumOff val="15000"/>
-                  </a:schemeClr>
-                </a:solidFill>
-                <a:latin typeface="Tajawal" pitchFamily="2" charset="-78"/>
-                <a:cs typeface="Tajawal" pitchFamily="2" charset="-78"/>
-              </a:rPr>
-              <a:t>(فرحة عيد) </a:t>
-            </a:r>
-            <a:r>
-              <a:rPr lang="ar-JO" sz="1400" b="1" dirty="0" smtClean="0">
-                <a:solidFill>
-                  <a:schemeClr val="tx1">
-                    <a:lumMod val="85000"/>
-                    <a:lumOff val="15000"/>
-                  </a:schemeClr>
-                </a:solidFill>
-                <a:latin typeface="Tajawal" pitchFamily="2" charset="-78"/>
-                <a:cs typeface="Tajawal" pitchFamily="2" charset="-78"/>
-              </a:rPr>
-              <a:t>اقامة نشاط تضمن</a:t>
-            </a:r>
-          </a:p>
-          <a:p>
-            <a:pPr algn="ctr"/>
-            <a:r>
-              <a:rPr lang="ar-JO" sz="1400" b="1" dirty="0" smtClean="0">
-                <a:solidFill>
-                  <a:schemeClr val="tx1">
-                    <a:lumMod val="85000"/>
-                    <a:lumOff val="15000"/>
-                  </a:schemeClr>
-                </a:solidFill>
-                <a:latin typeface="Tajawal" pitchFamily="2" charset="-78"/>
-                <a:cs typeface="Tajawal" pitchFamily="2" charset="-78"/>
-              </a:rPr>
-              <a:t> فقرات لعب وتوزيع هدايا واقامة عذاء</a:t>
-            </a:r>
-          </a:p>
-        </p:txBody>
-      </p:sp>
-      <p:sp>
-        <p:nvSpPr>
-          <p:cNvPr id="33" name="TextBox 32"/>
-          <p:cNvSpPr txBox="1"/>
-          <p:nvPr/>
-        </p:nvSpPr>
-        <p:spPr>
-          <a:xfrm>
-            <a:off x="285720" y="4857760"/>
-            <a:ext cx="2731837" cy="307777"/>
-          </a:xfrm>
-          <a:prstGeom prst="rect">
-            <a:avLst/>
-          </a:prstGeom>
-          <a:noFill/>
-          <a:ln>
-            <a:noFill/>
-          </a:ln>
-        </p:spPr>
-        <p:txBody>
-          <a:bodyPr wrap="none" rtlCol="1">
-            <a:spAutoFit/>
-          </a:bodyPr>
-          <a:lstStyle/>
-          <a:p>
-            <a:pPr algn="ctr"/>
-            <a:r>
-              <a:rPr lang="ar-JO" sz="1400" b="1" dirty="0" smtClean="0">
-                <a:solidFill>
-                  <a:schemeClr val="tx1">
-                    <a:lumMod val="85000"/>
-                    <a:lumOff val="15000"/>
-                  </a:schemeClr>
-                </a:solidFill>
-                <a:latin typeface="Tajawal" pitchFamily="2" charset="-78"/>
-                <a:cs typeface="Tajawal" pitchFamily="2" charset="-78"/>
-              </a:rPr>
-              <a:t>اقامة احتفال وافطار وتوزيع هدايا</a:t>
-            </a:r>
-          </a:p>
-        </p:txBody>
-      </p:sp>
-      <p:pic>
-        <p:nvPicPr>
-          <p:cNvPr id="34" name="Picture 33" descr="download (7).png"/>
-          <p:cNvPicPr>
-            <a:picLocks noChangeAspect="1"/>
-          </p:cNvPicPr>
-          <p:nvPr/>
-        </p:nvPicPr>
-        <p:blipFill>
-          <a:blip r:embed="rId4"/>
-          <a:stretch>
-            <a:fillRect/>
-          </a:stretch>
-        </p:blipFill>
-        <p:spPr>
-          <a:xfrm>
-            <a:off x="0" y="1928802"/>
-            <a:ext cx="3357554" cy="2714644"/>
-          </a:xfrm>
-          <a:prstGeom prst="rect">
-            <a:avLst/>
-          </a:prstGeom>
-        </p:spPr>
-      </p:pic>
-      <p:pic>
-        <p:nvPicPr>
-          <p:cNvPr id="35" name="Picture 7"/>
-          <p:cNvPicPr>
-            <a:picLocks noChangeAspect="1" noChangeArrowheads="1"/>
-          </p:cNvPicPr>
-          <p:nvPr/>
-        </p:nvPicPr>
-        <p:blipFill>
-          <a:blip r:embed="rId5"/>
           <a:srcRect/>
           <a:stretch>
             <a:fillRect/>
@@ -37168,8 +36265,8 @@
         </p:blipFill>
         <p:spPr bwMode="auto">
           <a:xfrm>
-            <a:off x="8501090" y="3286124"/>
-            <a:ext cx="338168" cy="450875"/>
+            <a:off x="0" y="1000108"/>
+            <a:ext cx="9144000" cy="4714884"/>
           </a:xfrm>
           <a:prstGeom prst="rect">
             <a:avLst/>
@@ -37184,51 +36281,11 @@
           <a:effectLst/>
         </p:spPr>
       </p:pic>
-      <p:pic>
-        <p:nvPicPr>
-          <p:cNvPr id="36" name="Picture 7"/>
-          <p:cNvPicPr>
-            <a:picLocks noChangeAspect="1" noChangeArrowheads="1"/>
-          </p:cNvPicPr>
-          <p:nvPr/>
-        </p:nvPicPr>
-        <p:blipFill>
-          <a:blip r:embed="rId5"/>
-          <a:srcRect/>
-          <a:stretch>
-            <a:fillRect/>
-          </a:stretch>
-        </p:blipFill>
-        <p:spPr bwMode="auto">
-          <a:xfrm rot="10800000">
-            <a:off x="428596" y="3143248"/>
-            <a:ext cx="338168" cy="450875"/>
-          </a:xfrm>
-          <a:prstGeom prst="rect">
-            <a:avLst/>
-          </a:prstGeom>
-          <a:noFill/>
-          <a:ln w="9525">
-            <a:noFill/>
-            <a:miter lim="800000"/>
-            <a:headEnd/>
-            <a:tailEnd/>
-          </a:ln>
-          <a:effectLst/>
-        </p:spPr>
-      </p:pic>
     </p:spTree>
   </p:cSld>
   <p:clrMapOvr>
     <a:masterClrMapping/>
   </p:clrMapOvr>
-  <p:timing>
-    <p:tnLst>
-      <p:par>
-        <p:cTn id="1" dur="indefinite" restart="never" nodeType="tmRoot"/>
-      </p:par>
-    </p:tnLst>
-  </p:timing>
 </p:sld>
 </file>
 
@@ -37754,14 +36811,14 @@
       </p:grpSpPr>
       <p:sp>
         <p:nvSpPr>
-          <p:cNvPr id="4" name="TextBox 3"/>
+          <p:cNvPr id="15" name="TextBox 14"/>
           <p:cNvSpPr txBox="1"/>
           <p:nvPr/>
         </p:nvSpPr>
         <p:spPr>
           <a:xfrm>
-            <a:off x="3214678" y="714356"/>
-            <a:ext cx="3357586" cy="830997"/>
+            <a:off x="2214546" y="285728"/>
+            <a:ext cx="5072098" cy="954107"/>
           </a:xfrm>
           <a:prstGeom prst="rect">
             <a:avLst/>
@@ -37786,12 +36843,37 @@
                 <a:latin typeface="Tajawal Black" pitchFamily="2" charset="-78"/>
                 <a:cs typeface="Tajawal Black" pitchFamily="2" charset="-78"/>
               </a:rPr>
-              <a:t>المركز الإعلامي</a:t>
+              <a:t>مبادراتنا</a:t>
             </a:r>
           </a:p>
           <a:p>
             <a:pPr algn="ctr"/>
-            <a:endParaRPr lang="ar-JO" sz="2400" dirty="0">
+            <a:r>
+              <a:rPr lang="ar-JO" sz="1600" dirty="0" smtClean="0">
+                <a:solidFill>
+                  <a:schemeClr val="tx1">
+                    <a:lumMod val="75000"/>
+                    <a:lumOff val="25000"/>
+                  </a:schemeClr>
+                </a:solidFill>
+                <a:latin typeface="Tajawal Black" pitchFamily="2" charset="-78"/>
+                <a:cs typeface="Tajawal Black" pitchFamily="2" charset="-78"/>
+              </a:rPr>
+              <a:t>اختر العام للمبادرات التي ترغب في عرضها</a:t>
+            </a:r>
+            <a:br>
+              <a:rPr lang="ar-JO" sz="1600" dirty="0" smtClean="0">
+                <a:solidFill>
+                  <a:schemeClr val="tx1">
+                    <a:lumMod val="75000"/>
+                    <a:lumOff val="25000"/>
+                  </a:schemeClr>
+                </a:solidFill>
+                <a:latin typeface="Tajawal Black" pitchFamily="2" charset="-78"/>
+                <a:cs typeface="Tajawal Black" pitchFamily="2" charset="-78"/>
+              </a:rPr>
+            </a:br>
+            <a:endParaRPr lang="ar-JO" sz="1600" dirty="0">
               <a:solidFill>
                 <a:schemeClr val="tx1">
                   <a:lumMod val="75000"/>
@@ -37804,244 +36886,103 @@
           </a:p>
         </p:txBody>
       </p:sp>
-      <p:sp>
-        <p:nvSpPr>
-          <p:cNvPr id="5" name="Rectangle 4"/>
-          <p:cNvSpPr/>
-          <p:nvPr/>
-        </p:nvSpPr>
-        <p:spPr>
-          <a:xfrm>
-            <a:off x="6858016" y="1643050"/>
-            <a:ext cx="2042049" cy="450791"/>
-          </a:xfrm>
-          <a:prstGeom prst="rect">
-            <a:avLst/>
-          </a:prstGeom>
-          <a:solidFill>
-            <a:srgbClr val="C00000"/>
-          </a:solidFill>
-          <a:ln>
+      <p:pic>
+        <p:nvPicPr>
+          <p:cNvPr id="1026" name="Picture 2"/>
+          <p:cNvPicPr>
+            <a:picLocks noChangeAspect="1" noChangeArrowheads="1"/>
+          </p:cNvPicPr>
+          <p:nvPr/>
+        </p:nvPicPr>
+        <p:blipFill>
+          <a:blip r:embed="rId2"/>
+          <a:srcRect/>
+          <a:stretch>
+            <a:fillRect/>
+          </a:stretch>
+        </p:blipFill>
+        <p:spPr bwMode="auto">
+          <a:xfrm>
+            <a:off x="6143636" y="1714488"/>
+            <a:ext cx="2609854" cy="2488959"/>
+          </a:xfrm>
+          <a:prstGeom prst="rect">
+            <a:avLst/>
+          </a:prstGeom>
+          <a:noFill/>
+          <a:ln w="9525">
             <a:noFill/>
-          </a:ln>
-        </p:spPr>
-        <p:style>
-          <a:lnRef idx="2">
-            <a:schemeClr val="dk1"/>
-          </a:lnRef>
-          <a:fillRef idx="1">
-            <a:schemeClr val="lt1"/>
-          </a:fillRef>
-          <a:effectRef idx="0">
-            <a:schemeClr val="dk1"/>
-          </a:effectRef>
-          <a:fontRef idx="minor">
-            <a:schemeClr val="dk1"/>
-          </a:fontRef>
-        </p:style>
-        <p:txBody>
-          <a:bodyPr rtlCol="1" anchor="ctr"/>
-          <a:lstStyle/>
-          <a:p>
-            <a:pPr algn="ctr"/>
-            <a:r>
-              <a:rPr lang="ar-JO" b="1" dirty="0" smtClean="0">
-                <a:solidFill>
-                  <a:schemeClr val="bg1"/>
-                </a:solidFill>
-                <a:latin typeface="Tajawal Black" pitchFamily="2" charset="-78"/>
-                <a:cs typeface="Tajawal Black" pitchFamily="2" charset="-78"/>
-              </a:rPr>
-              <a:t>الصور والمرئيات</a:t>
-            </a:r>
-            <a:endParaRPr lang="ar-JO" b="1" dirty="0">
-              <a:solidFill>
-                <a:schemeClr val="bg1"/>
-              </a:solidFill>
-              <a:latin typeface="Tajawal Black" pitchFamily="2" charset="-78"/>
-              <a:cs typeface="Tajawal Black" pitchFamily="2" charset="-78"/>
-            </a:endParaRPr>
-          </a:p>
-        </p:txBody>
-      </p:sp>
-      <p:sp>
-        <p:nvSpPr>
-          <p:cNvPr id="6" name="Rectangle 5"/>
-          <p:cNvSpPr/>
-          <p:nvPr/>
-        </p:nvSpPr>
-        <p:spPr>
-          <a:xfrm>
-            <a:off x="3857620" y="1571612"/>
-            <a:ext cx="1214446" cy="450791"/>
-          </a:xfrm>
-          <a:prstGeom prst="rect">
-            <a:avLst/>
-          </a:prstGeom>
-          <a:solidFill>
-            <a:srgbClr val="C00000"/>
-          </a:solidFill>
-          <a:ln>
+            <a:miter lim="800000"/>
+            <a:headEnd/>
+            <a:tailEnd/>
+          </a:ln>
+          <a:effectLst/>
+        </p:spPr>
+      </p:pic>
+      <p:pic>
+        <p:nvPicPr>
+          <p:cNvPr id="24" name="Picture 2"/>
+          <p:cNvPicPr>
+            <a:picLocks noChangeAspect="1" noChangeArrowheads="1"/>
+          </p:cNvPicPr>
+          <p:nvPr/>
+        </p:nvPicPr>
+        <p:blipFill>
+          <a:blip r:embed="rId2"/>
+          <a:srcRect/>
+          <a:stretch>
+            <a:fillRect/>
+          </a:stretch>
+        </p:blipFill>
+        <p:spPr bwMode="auto">
+          <a:xfrm>
+            <a:off x="3357554" y="1714488"/>
+            <a:ext cx="2538416" cy="2488959"/>
+          </a:xfrm>
+          <a:prstGeom prst="rect">
+            <a:avLst/>
+          </a:prstGeom>
+          <a:noFill/>
+          <a:ln w="9525">
             <a:noFill/>
-          </a:ln>
-        </p:spPr>
-        <p:style>
-          <a:lnRef idx="2">
-            <a:schemeClr val="dk1"/>
-          </a:lnRef>
-          <a:fillRef idx="1">
-            <a:schemeClr val="lt1"/>
-          </a:fillRef>
-          <a:effectRef idx="0">
-            <a:schemeClr val="dk1"/>
-          </a:effectRef>
-          <a:fontRef idx="minor">
-            <a:schemeClr val="dk1"/>
-          </a:fontRef>
-        </p:style>
-        <p:txBody>
-          <a:bodyPr rtlCol="1" anchor="ctr"/>
-          <a:lstStyle/>
-          <a:p>
-            <a:pPr algn="ctr"/>
-            <a:r>
-              <a:rPr lang="ar-JO" b="1" dirty="0" smtClean="0">
-                <a:solidFill>
-                  <a:schemeClr val="bg1"/>
-                </a:solidFill>
-                <a:latin typeface="Tajawal Black" pitchFamily="2" charset="-78"/>
-                <a:cs typeface="Tajawal Black" pitchFamily="2" charset="-78"/>
-              </a:rPr>
-              <a:t>الأخبار</a:t>
-            </a:r>
-            <a:endParaRPr lang="ar-JO" b="1" dirty="0">
-              <a:solidFill>
-                <a:schemeClr val="bg1"/>
-              </a:solidFill>
-              <a:latin typeface="Tajawal Black" pitchFamily="2" charset="-78"/>
-              <a:cs typeface="Tajawal Black" pitchFamily="2" charset="-78"/>
-            </a:endParaRPr>
-          </a:p>
-        </p:txBody>
-      </p:sp>
-      <p:sp>
-        <p:nvSpPr>
-          <p:cNvPr id="7" name="TextBox 6"/>
-          <p:cNvSpPr txBox="1"/>
-          <p:nvPr/>
-        </p:nvSpPr>
-        <p:spPr>
-          <a:xfrm>
-            <a:off x="0" y="2143116"/>
-            <a:ext cx="5072034" cy="584775"/>
+            <a:miter lim="800000"/>
+            <a:headEnd/>
+            <a:tailEnd/>
+          </a:ln>
+          <a:effectLst/>
+        </p:spPr>
+      </p:pic>
+      <p:pic>
+        <p:nvPicPr>
+          <p:cNvPr id="25" name="Picture 2"/>
+          <p:cNvPicPr>
+            <a:picLocks noChangeAspect="1" noChangeArrowheads="1"/>
+          </p:cNvPicPr>
+          <p:nvPr/>
+        </p:nvPicPr>
+        <p:blipFill>
+          <a:blip r:embed="rId2"/>
+          <a:srcRect/>
+          <a:stretch>
+            <a:fillRect/>
+          </a:stretch>
+        </p:blipFill>
+        <p:spPr bwMode="auto">
+          <a:xfrm>
+            <a:off x="428596" y="1714488"/>
+            <a:ext cx="2681324" cy="2488959"/>
           </a:xfrm>
           <a:prstGeom prst="rect">
             <a:avLst/>
           </a:prstGeom>
           <a:noFill/>
-        </p:spPr>
-        <p:txBody>
-          <a:bodyPr wrap="square" rtlCol="1">
-            <a:spAutoFit/>
-          </a:bodyPr>
-          <a:lstStyle/>
-          <a:p>
-            <a:r>
-              <a:rPr lang="ar-JO" sz="1600" b="1" dirty="0" smtClean="0">
-                <a:solidFill>
-                  <a:schemeClr val="tx1">
-                    <a:lumMod val="75000"/>
-                    <a:lumOff val="25000"/>
-                  </a:schemeClr>
-                </a:solidFill>
-                <a:latin typeface="Tajawal" pitchFamily="2" charset="-78"/>
-                <a:cs typeface="Tajawal" pitchFamily="2" charset="-78"/>
-              </a:rPr>
-              <a:t>وزيرة التنمية تستقبل مديرة صندوق الامم المتحدة للسكان في الاردن</a:t>
-            </a:r>
-            <a:endParaRPr lang="ar-JO" sz="1600" dirty="0">
-              <a:solidFill>
-                <a:schemeClr val="tx1">
-                  <a:lumMod val="75000"/>
-                  <a:lumOff val="25000"/>
-                </a:schemeClr>
-              </a:solidFill>
-              <a:latin typeface="Tajawal" pitchFamily="2" charset="-78"/>
-              <a:cs typeface="Tajawal" pitchFamily="2" charset="-78"/>
-            </a:endParaRPr>
-          </a:p>
-        </p:txBody>
-      </p:sp>
-      <p:pic>
-        <p:nvPicPr>
-          <p:cNvPr id="8" name="Picture 7" descr="63732748561795683014.jpg"/>
-          <p:cNvPicPr>
-            <a:picLocks noChangeAspect="1"/>
-          </p:cNvPicPr>
-          <p:nvPr/>
-        </p:nvPicPr>
-        <p:blipFill>
-          <a:blip r:embed="rId2"/>
-          <a:stretch>
-            <a:fillRect/>
-          </a:stretch>
-        </p:blipFill>
-        <p:spPr>
-          <a:xfrm>
-            <a:off x="285720" y="2714620"/>
-            <a:ext cx="4857784" cy="3286148"/>
-          </a:xfrm>
-          <a:prstGeom prst="rect">
-            <a:avLst/>
-          </a:prstGeom>
-        </p:spPr>
-      </p:pic>
-      <p:pic>
-        <p:nvPicPr>
-          <p:cNvPr id="9" name="Picture 8" descr="109567967_1398386353692898_2770334323738994568_o.jpg"/>
-          <p:cNvPicPr>
-            <a:picLocks noChangeAspect="1"/>
-          </p:cNvPicPr>
-          <p:nvPr/>
-        </p:nvPicPr>
-        <p:blipFill>
-          <a:blip r:embed="rId3" cstate="print"/>
-          <a:stretch>
-            <a:fillRect/>
-          </a:stretch>
-        </p:blipFill>
-        <p:spPr>
-          <a:xfrm>
-            <a:off x="5572132" y="2357430"/>
-            <a:ext cx="3301991" cy="1857370"/>
-          </a:xfrm>
-          <a:prstGeom prst="rect">
-            <a:avLst/>
-          </a:prstGeom>
-        </p:spPr>
-      </p:pic>
-      <p:pic>
-        <p:nvPicPr>
-          <p:cNvPr id="10" name="Picture 9" descr="110211954_1401386863392847_7237652009320004418_o.jpg"/>
-          <p:cNvPicPr>
-            <a:picLocks noChangeAspect="1"/>
-          </p:cNvPicPr>
-          <p:nvPr/>
-        </p:nvPicPr>
-        <p:blipFill>
-          <a:blip r:embed="rId4"/>
-          <a:stretch>
-            <a:fillRect/>
-          </a:stretch>
-        </p:blipFill>
-        <p:spPr>
-          <a:xfrm>
-            <a:off x="5572132" y="4357694"/>
-            <a:ext cx="3286148" cy="1803834"/>
-          </a:xfrm>
-          <a:prstGeom prst="rect">
-            <a:avLst/>
-          </a:prstGeom>
+          <a:ln w="9525">
+            <a:noFill/>
+            <a:miter lim="800000"/>
+            <a:headEnd/>
+            <a:tailEnd/>
+          </a:ln>
+          <a:effectLst/>
         </p:spPr>
       </p:pic>
     </p:spTree>
